--- a/trunk/doc/FINAL_PRESENTATION_updated.pptx
+++ b/trunk/doc/FINAL_PRESENTATION_updated.pptx
@@ -258,7 +258,7 @@
             <a:fld id="{E6F9B8CD-342D-4579-98EC-A8FD6B7370E1}" type="datetimeFigureOut">
               <a:rPr lang="en-US" smtClean="0"/>
               <a:pPr/>
-              <a:t>3/24/2011</a:t>
+              <a:t>3/25/2011</a:t>
             </a:fld>
             <a:endParaRPr lang="en-US" dirty="0"/>
           </a:p>
@@ -333,7 +333,7 @@
           <a:lstStyle/>
           <a:p>
             <a:pPr algn="ctr" eaLnBrk="1" latinLnBrk="0" hangingPunct="1"/>
-            <a:endParaRPr kumimoji="0" lang="en-US"/>
+            <a:endParaRPr kumimoji="0" lang="en-US" dirty="0"/>
           </a:p>
         </p:txBody>
       </p:sp>
@@ -382,7 +382,7 @@
           <a:lstStyle/>
           <a:p>
             <a:pPr algn="ctr" eaLnBrk="1" latinLnBrk="0" hangingPunct="1"/>
-            <a:endParaRPr kumimoji="0" lang="en-US"/>
+            <a:endParaRPr kumimoji="0" lang="en-US" dirty="0"/>
           </a:p>
         </p:txBody>
       </p:sp>
@@ -431,7 +431,7 @@
           <a:lstStyle/>
           <a:p>
             <a:pPr algn="ctr" eaLnBrk="1" latinLnBrk="0" hangingPunct="1"/>
-            <a:endParaRPr kumimoji="0" lang="en-US"/>
+            <a:endParaRPr kumimoji="0" lang="en-US" dirty="0"/>
           </a:p>
         </p:txBody>
       </p:sp>
@@ -480,7 +480,7 @@
           <a:lstStyle/>
           <a:p>
             <a:pPr algn="ctr" eaLnBrk="1" latinLnBrk="0" hangingPunct="1"/>
-            <a:endParaRPr kumimoji="0" lang="en-US"/>
+            <a:endParaRPr kumimoji="0" lang="en-US" dirty="0"/>
           </a:p>
         </p:txBody>
       </p:sp>
@@ -519,7 +519,7 @@
           <a:bodyPr vert="horz" wrap="square" lIns="91440" tIns="45720" rIns="91440" bIns="45720" anchor="t" compatLnSpc="1"/>
           <a:lstStyle/>
           <a:p>
-            <a:endParaRPr kumimoji="0" lang="en-US"/>
+            <a:endParaRPr kumimoji="0" lang="en-US" dirty="0"/>
           </a:p>
         </p:txBody>
       </p:sp>
@@ -558,7 +558,7 @@
           <a:bodyPr vert="horz" wrap="square" lIns="91440" tIns="45720" rIns="91440" bIns="45720" anchor="t" compatLnSpc="1"/>
           <a:lstStyle/>
           <a:p>
-            <a:endParaRPr kumimoji="0" lang="en-US"/>
+            <a:endParaRPr kumimoji="0" lang="en-US" dirty="0"/>
           </a:p>
         </p:txBody>
       </p:sp>
@@ -596,7 +596,7 @@
           <a:bodyPr vert="horz" wrap="square" lIns="91440" tIns="45720" rIns="91440" bIns="45720" anchor="t" compatLnSpc="1"/>
           <a:lstStyle/>
           <a:p>
-            <a:endParaRPr kumimoji="0" lang="en-US"/>
+            <a:endParaRPr kumimoji="0" lang="en-US" dirty="0"/>
           </a:p>
         </p:txBody>
       </p:sp>
@@ -635,7 +635,7 @@
           <a:bodyPr vert="horz" wrap="square" lIns="91440" tIns="45720" rIns="91440" bIns="45720" anchor="t" compatLnSpc="1"/>
           <a:lstStyle/>
           <a:p>
-            <a:endParaRPr kumimoji="0" lang="en-US"/>
+            <a:endParaRPr kumimoji="0" lang="en-US" dirty="0"/>
           </a:p>
         </p:txBody>
       </p:sp>
@@ -673,7 +673,7 @@
           <a:bodyPr vert="horz" wrap="square" lIns="91440" tIns="45720" rIns="91440" bIns="45720" anchor="t" compatLnSpc="1"/>
           <a:lstStyle/>
           <a:p>
-            <a:endParaRPr kumimoji="0" lang="en-US"/>
+            <a:endParaRPr kumimoji="0" lang="en-US" dirty="0"/>
           </a:p>
         </p:txBody>
       </p:sp>
@@ -711,7 +711,7 @@
           <a:bodyPr vert="horz" wrap="square" lIns="91440" tIns="45720" rIns="91440" bIns="45720" anchor="t" compatLnSpc="1"/>
           <a:lstStyle/>
           <a:p>
-            <a:endParaRPr kumimoji="0" lang="en-US"/>
+            <a:endParaRPr kumimoji="0" lang="en-US" dirty="0"/>
           </a:p>
         </p:txBody>
       </p:sp>
@@ -1129,9 +1129,9 @@
             <a:fld id="{E6F9B8CD-342D-4579-98EC-A8FD6B7370E1}" type="datetimeFigureOut">
               <a:rPr lang="en-US" smtClean="0"/>
               <a:pPr/>
-              <a:t>3/24/2011</a:t>
+              <a:t>3/25/2011</a:t>
             </a:fld>
-            <a:endParaRPr lang="en-US"/>
+            <a:endParaRPr lang="en-US" dirty="0"/>
           </a:p>
         </p:txBody>
       </p:sp>
@@ -1150,7 +1150,7 @@
           <a:bodyPr/>
           <a:lstStyle/>
           <a:p>
-            <a:endParaRPr kumimoji="0" lang="en-US"/>
+            <a:endParaRPr kumimoji="0" lang="en-US" dirty="0"/>
           </a:p>
         </p:txBody>
       </p:sp>
@@ -1174,7 +1174,7 @@
               <a:pPr/>
               <a:t>‹#›</a:t>
             </a:fld>
-            <a:endParaRPr kumimoji="0" lang="en-US"/>
+            <a:endParaRPr kumimoji="0" lang="en-US" dirty="0"/>
           </a:p>
         </p:txBody>
       </p:sp>
@@ -1306,9 +1306,9 @@
             <a:fld id="{E6F9B8CD-342D-4579-98EC-A8FD6B7370E1}" type="datetimeFigureOut">
               <a:rPr lang="en-US" smtClean="0"/>
               <a:pPr/>
-              <a:t>3/24/2011</a:t>
+              <a:t>3/25/2011</a:t>
             </a:fld>
-            <a:endParaRPr lang="en-US"/>
+            <a:endParaRPr lang="en-US" dirty="0"/>
           </a:p>
         </p:txBody>
       </p:sp>
@@ -1327,7 +1327,7 @@
           <a:bodyPr/>
           <a:lstStyle/>
           <a:p>
-            <a:endParaRPr kumimoji="0" lang="en-US"/>
+            <a:endParaRPr kumimoji="0" lang="en-US" dirty="0"/>
           </a:p>
         </p:txBody>
       </p:sp>
@@ -1351,7 +1351,7 @@
               <a:pPr/>
               <a:t>‹#›</a:t>
             </a:fld>
-            <a:endParaRPr kumimoji="0" lang="en-US"/>
+            <a:endParaRPr kumimoji="0" lang="en-US" dirty="0"/>
           </a:p>
         </p:txBody>
       </p:sp>
@@ -1479,9 +1479,9 @@
             <a:fld id="{E6F9B8CD-342D-4579-98EC-A8FD6B7370E1}" type="datetimeFigureOut">
               <a:rPr lang="en-US" smtClean="0"/>
               <a:pPr algn="r" eaLnBrk="1" latinLnBrk="0" hangingPunct="1"/>
-              <a:t>3/24/2011</a:t>
+              <a:t>3/25/2011</a:t>
             </a:fld>
-            <a:endParaRPr lang="en-US"/>
+            <a:endParaRPr lang="en-US" dirty="0"/>
           </a:p>
         </p:txBody>
       </p:sp>
@@ -1506,7 +1506,7 @@
               <a:pPr algn="ctr" eaLnBrk="1" latinLnBrk="0" hangingPunct="1"/>
               <a:t>‹#›</a:t>
             </a:fld>
-            <a:endParaRPr kumimoji="0" lang="en-US"/>
+            <a:endParaRPr kumimoji="0" lang="en-US" dirty="0"/>
           </a:p>
         </p:txBody>
       </p:sp>
@@ -1525,7 +1525,7 @@
           <a:bodyPr rtlCol="0"/>
           <a:lstStyle/>
           <a:p>
-            <a:endParaRPr kumimoji="0" lang="en-US"/>
+            <a:endParaRPr kumimoji="0" lang="en-US" dirty="0"/>
           </a:p>
         </p:txBody>
       </p:sp>
@@ -1692,9 +1692,9 @@
             <a:fld id="{E6F9B8CD-342D-4579-98EC-A8FD6B7370E1}" type="datetimeFigureOut">
               <a:rPr lang="en-US" smtClean="0"/>
               <a:pPr/>
-              <a:t>3/24/2011</a:t>
+              <a:t>3/25/2011</a:t>
             </a:fld>
-            <a:endParaRPr lang="en-US"/>
+            <a:endParaRPr lang="en-US" dirty="0"/>
           </a:p>
         </p:txBody>
       </p:sp>
@@ -1718,7 +1718,7 @@
           <a:bodyPr/>
           <a:lstStyle/>
           <a:p>
-            <a:endParaRPr kumimoji="0" lang="en-US"/>
+            <a:endParaRPr kumimoji="0" lang="en-US" dirty="0"/>
           </a:p>
         </p:txBody>
       </p:sp>
@@ -1767,7 +1767,7 @@
           <a:lstStyle/>
           <a:p>
             <a:pPr algn="ctr" eaLnBrk="1" latinLnBrk="0" hangingPunct="1"/>
-            <a:endParaRPr kumimoji="0" lang="en-US"/>
+            <a:endParaRPr kumimoji="0" lang="en-US" dirty="0"/>
           </a:p>
         </p:txBody>
       </p:sp>
@@ -1816,7 +1816,7 @@
           <a:lstStyle/>
           <a:p>
             <a:pPr algn="ctr" eaLnBrk="1" latinLnBrk="0" hangingPunct="1"/>
-            <a:endParaRPr kumimoji="0" lang="en-US"/>
+            <a:endParaRPr kumimoji="0" lang="en-US" dirty="0"/>
           </a:p>
         </p:txBody>
       </p:sp>
@@ -1865,7 +1865,7 @@
           <a:lstStyle/>
           <a:p>
             <a:pPr algn="ctr" eaLnBrk="1" latinLnBrk="0" hangingPunct="1"/>
-            <a:endParaRPr kumimoji="0" lang="en-US"/>
+            <a:endParaRPr kumimoji="0" lang="en-US" dirty="0"/>
           </a:p>
         </p:txBody>
       </p:sp>
@@ -1914,7 +1914,7 @@
           <a:lstStyle/>
           <a:p>
             <a:pPr algn="ctr" eaLnBrk="1" latinLnBrk="0" hangingPunct="1"/>
-            <a:endParaRPr kumimoji="0" lang="en-US"/>
+            <a:endParaRPr kumimoji="0" lang="en-US" dirty="0"/>
           </a:p>
         </p:txBody>
       </p:sp>
@@ -1953,7 +1953,7 @@
           <a:bodyPr vert="horz" wrap="square" lIns="91440" tIns="45720" rIns="91440" bIns="45720" anchor="t" compatLnSpc="1"/>
           <a:lstStyle/>
           <a:p>
-            <a:endParaRPr kumimoji="0" lang="en-US"/>
+            <a:endParaRPr kumimoji="0" lang="en-US" dirty="0"/>
           </a:p>
         </p:txBody>
       </p:sp>
@@ -1992,7 +1992,7 @@
           <a:bodyPr vert="horz" wrap="square" lIns="91440" tIns="45720" rIns="91440" bIns="45720" anchor="t" compatLnSpc="1"/>
           <a:lstStyle/>
           <a:p>
-            <a:endParaRPr kumimoji="0" lang="en-US"/>
+            <a:endParaRPr kumimoji="0" lang="en-US" dirty="0"/>
           </a:p>
         </p:txBody>
       </p:sp>
@@ -2030,7 +2030,7 @@
           <a:bodyPr vert="horz" wrap="square" lIns="91440" tIns="45720" rIns="91440" bIns="45720" anchor="t" compatLnSpc="1"/>
           <a:lstStyle/>
           <a:p>
-            <a:endParaRPr kumimoji="0" lang="en-US"/>
+            <a:endParaRPr kumimoji="0" lang="en-US" dirty="0"/>
           </a:p>
         </p:txBody>
       </p:sp>
@@ -2069,7 +2069,7 @@
           <a:bodyPr vert="horz" wrap="square" lIns="91440" tIns="45720" rIns="91440" bIns="45720" anchor="t" compatLnSpc="1"/>
           <a:lstStyle/>
           <a:p>
-            <a:endParaRPr kumimoji="0" lang="en-US"/>
+            <a:endParaRPr kumimoji="0" lang="en-US" dirty="0"/>
           </a:p>
         </p:txBody>
       </p:sp>
@@ -2107,7 +2107,7 @@
           <a:bodyPr vert="horz" wrap="square" lIns="91440" tIns="45720" rIns="91440" bIns="45720" anchor="t" compatLnSpc="1"/>
           <a:lstStyle/>
           <a:p>
-            <a:endParaRPr kumimoji="0" lang="en-US"/>
+            <a:endParaRPr kumimoji="0" lang="en-US" dirty="0"/>
           </a:p>
         </p:txBody>
       </p:sp>
@@ -2409,7 +2409,7 @@
           <a:bodyPr vert="horz" wrap="square" lIns="91440" tIns="45720" rIns="91440" bIns="45720" anchor="t" compatLnSpc="1"/>
           <a:lstStyle/>
           <a:p>
-            <a:endParaRPr kumimoji="0" lang="en-US"/>
+            <a:endParaRPr kumimoji="0" lang="en-US" dirty="0"/>
           </a:p>
         </p:txBody>
       </p:sp>
@@ -2438,7 +2438,7 @@
               <a:pPr/>
               <a:t>‹#›</a:t>
             </a:fld>
-            <a:endParaRPr kumimoji="0" lang="en-US"/>
+            <a:endParaRPr kumimoji="0" lang="en-US" dirty="0"/>
           </a:p>
         </p:txBody>
       </p:sp>
@@ -2508,9 +2508,9 @@
             <a:fld id="{E6F9B8CD-342D-4579-98EC-A8FD6B7370E1}" type="datetimeFigureOut">
               <a:rPr lang="en-US" smtClean="0"/>
               <a:pPr/>
-              <a:t>3/24/2011</a:t>
+              <a:t>3/25/2011</a:t>
             </a:fld>
-            <a:endParaRPr lang="en-US"/>
+            <a:endParaRPr lang="en-US" dirty="0"/>
           </a:p>
         </p:txBody>
       </p:sp>
@@ -2529,7 +2529,7 @@
           <a:bodyPr/>
           <a:lstStyle/>
           <a:p>
-            <a:endParaRPr kumimoji="0" lang="en-US"/>
+            <a:endParaRPr kumimoji="0" lang="en-US" dirty="0"/>
           </a:p>
         </p:txBody>
       </p:sp>
@@ -2553,7 +2553,7 @@
               <a:pPr/>
               <a:t>‹#›</a:t>
             </a:fld>
-            <a:endParaRPr kumimoji="0" lang="en-US"/>
+            <a:endParaRPr kumimoji="0" lang="en-US" dirty="0"/>
           </a:p>
         </p:txBody>
       </p:sp>
@@ -2746,9 +2746,9 @@
             <a:fld id="{E6F9B8CD-342D-4579-98EC-A8FD6B7370E1}" type="datetimeFigureOut">
               <a:rPr lang="en-US" smtClean="0"/>
               <a:pPr/>
-              <a:t>3/24/2011</a:t>
+              <a:t>3/25/2011</a:t>
             </a:fld>
-            <a:endParaRPr lang="en-US"/>
+            <a:endParaRPr lang="en-US" dirty="0"/>
           </a:p>
         </p:txBody>
       </p:sp>
@@ -2767,7 +2767,7 @@
           <a:bodyPr/>
           <a:lstStyle/>
           <a:p>
-            <a:endParaRPr kumimoji="0" lang="en-US"/>
+            <a:endParaRPr kumimoji="0" lang="en-US" dirty="0"/>
           </a:p>
         </p:txBody>
       </p:sp>
@@ -2791,7 +2791,7 @@
               <a:pPr/>
               <a:t>‹#›</a:t>
             </a:fld>
-            <a:endParaRPr kumimoji="0" lang="en-US"/>
+            <a:endParaRPr kumimoji="0" lang="en-US" dirty="0"/>
           </a:p>
         </p:txBody>
       </p:sp>
@@ -3072,9 +3072,9 @@
             <a:fld id="{E6F9B8CD-342D-4579-98EC-A8FD6B7370E1}" type="datetimeFigureOut">
               <a:rPr lang="en-US" smtClean="0"/>
               <a:pPr algn="r" eaLnBrk="1" latinLnBrk="0" hangingPunct="1"/>
-              <a:t>3/24/2011</a:t>
+              <a:t>3/25/2011</a:t>
             </a:fld>
-            <a:endParaRPr lang="en-US"/>
+            <a:endParaRPr lang="en-US" dirty="0"/>
           </a:p>
         </p:txBody>
       </p:sp>
@@ -3099,7 +3099,7 @@
               <a:pPr algn="ctr" eaLnBrk="1" latinLnBrk="0" hangingPunct="1"/>
               <a:t>‹#›</a:t>
             </a:fld>
-            <a:endParaRPr kumimoji="0" lang="en-US"/>
+            <a:endParaRPr kumimoji="0" lang="en-US" dirty="0"/>
           </a:p>
         </p:txBody>
       </p:sp>
@@ -3118,7 +3118,7 @@
           <a:bodyPr rtlCol="0"/>
           <a:lstStyle/>
           <a:p>
-            <a:endParaRPr kumimoji="0" lang="en-US"/>
+            <a:endParaRPr kumimoji="0" lang="en-US" dirty="0"/>
           </a:p>
         </p:txBody>
       </p:sp>
@@ -3165,9 +3165,9 @@
             <a:fld id="{E6F9B8CD-342D-4579-98EC-A8FD6B7370E1}" type="datetimeFigureOut">
               <a:rPr lang="en-US" smtClean="0"/>
               <a:pPr/>
-              <a:t>3/24/2011</a:t>
+              <a:t>3/25/2011</a:t>
             </a:fld>
-            <a:endParaRPr lang="en-US"/>
+            <a:endParaRPr lang="en-US" dirty="0"/>
           </a:p>
         </p:txBody>
       </p:sp>
@@ -3186,7 +3186,7 @@
           <a:bodyPr/>
           <a:lstStyle/>
           <a:p>
-            <a:endParaRPr kumimoji="0" lang="en-US"/>
+            <a:endParaRPr kumimoji="0" lang="en-US" dirty="0"/>
           </a:p>
         </p:txBody>
       </p:sp>
@@ -3210,7 +3210,7 @@
               <a:pPr/>
               <a:t>‹#›</a:t>
             </a:fld>
-            <a:endParaRPr kumimoji="0" lang="en-US"/>
+            <a:endParaRPr kumimoji="0" lang="en-US" dirty="0"/>
           </a:p>
         </p:txBody>
       </p:sp>
@@ -3477,7 +3477,7 @@
           <a:bodyPr vert="horz" wrap="square" lIns="91440" tIns="45720" rIns="91440" bIns="45720" anchor="t" compatLnSpc="1"/>
           <a:lstStyle/>
           <a:p>
-            <a:endParaRPr kumimoji="0" lang="en-US"/>
+            <a:endParaRPr kumimoji="0" lang="en-US" dirty="0"/>
           </a:p>
         </p:txBody>
       </p:sp>
@@ -3526,7 +3526,7 @@
           <a:lstStyle/>
           <a:p>
             <a:pPr algn="ctr" eaLnBrk="1" latinLnBrk="0" hangingPunct="1"/>
-            <a:endParaRPr kumimoji="0" lang="en-US"/>
+            <a:endParaRPr kumimoji="0" lang="en-US" dirty="0"/>
           </a:p>
         </p:txBody>
       </p:sp>
@@ -3562,7 +3562,7 @@
           <a:bodyPr vert="horz" wrap="square" lIns="91440" tIns="45720" rIns="91440" bIns="45720" anchor="t" compatLnSpc="1"/>
           <a:lstStyle/>
           <a:p>
-            <a:endParaRPr kumimoji="0" lang="en-US"/>
+            <a:endParaRPr kumimoji="0" lang="en-US" dirty="0"/>
           </a:p>
         </p:txBody>
       </p:sp>
@@ -3685,7 +3685,7 @@
             <a:fld id="{E6F9B8CD-342D-4579-98EC-A8FD6B7370E1}" type="datetimeFigureOut">
               <a:rPr lang="en-US" smtClean="0"/>
               <a:pPr algn="r" eaLnBrk="1" latinLnBrk="0" hangingPunct="1"/>
-              <a:t>3/24/2011</a:t>
+              <a:t>3/25/2011</a:t>
             </a:fld>
             <a:endParaRPr lang="en-US" dirty="0"/>
           </a:p>
@@ -3712,7 +3712,7 @@
               <a:pPr algn="ctr" eaLnBrk="1" latinLnBrk="0" hangingPunct="1"/>
               <a:t>‹#›</a:t>
             </a:fld>
-            <a:endParaRPr kumimoji="0" lang="en-US"/>
+            <a:endParaRPr kumimoji="0" lang="en-US" dirty="0"/>
           </a:p>
         </p:txBody>
       </p:sp>
@@ -3731,7 +3731,7 @@
           <a:bodyPr rtlCol="0"/>
           <a:lstStyle/>
           <a:p>
-            <a:endParaRPr kumimoji="0" lang="en-US"/>
+            <a:endParaRPr kumimoji="0" lang="en-US" dirty="0"/>
           </a:p>
         </p:txBody>
       </p:sp>
@@ -3794,7 +3794,7 @@
           <a:bodyPr vert="horz" wrap="square" lIns="91440" tIns="45720" rIns="91440" bIns="45720" anchor="t" compatLnSpc="1"/>
           <a:lstStyle/>
           <a:p>
-            <a:endParaRPr kumimoji="0" lang="en-US"/>
+            <a:endParaRPr kumimoji="0" lang="en-US" dirty="0"/>
           </a:p>
         </p:txBody>
       </p:sp>
@@ -3926,7 +3926,7 @@
               <a:buNone/>
             </a:pPr>
             <a:r>
-              <a:rPr kumimoji="0" lang="en-US" smtClean="0"/>
+              <a:rPr kumimoji="0" lang="en-US" dirty="0" smtClean="0"/>
               <a:t>Click icon to add picture</a:t>
             </a:r>
             <a:endParaRPr kumimoji="0" lang="en-US" dirty="0"/>
@@ -4019,7 +4019,7 @@
           <a:bodyPr vert="horz" wrap="square" lIns="91440" tIns="45720" rIns="91440" bIns="45720" anchor="t" compatLnSpc="1"/>
           <a:lstStyle/>
           <a:p>
-            <a:endParaRPr kumimoji="0" lang="en-US"/>
+            <a:endParaRPr kumimoji="0" lang="en-US" dirty="0"/>
           </a:p>
         </p:txBody>
       </p:sp>
@@ -4067,7 +4067,7 @@
           <a:lstStyle/>
           <a:p>
             <a:pPr algn="ctr" eaLnBrk="1" latinLnBrk="0" hangingPunct="1"/>
-            <a:endParaRPr kumimoji="0" lang="en-US"/>
+            <a:endParaRPr kumimoji="0" lang="en-US" dirty="0"/>
           </a:p>
         </p:txBody>
       </p:sp>
@@ -4103,7 +4103,7 @@
           <a:bodyPr vert="horz" wrap="square" lIns="91440" tIns="45720" rIns="91440" bIns="45720" anchor="t" compatLnSpc="1"/>
           <a:lstStyle/>
           <a:p>
-            <a:endParaRPr kumimoji="0" lang="en-US"/>
+            <a:endParaRPr kumimoji="0" lang="en-US" dirty="0"/>
           </a:p>
         </p:txBody>
       </p:sp>
@@ -4200,9 +4200,9 @@
             <a:fld id="{E6F9B8CD-342D-4579-98EC-A8FD6B7370E1}" type="datetimeFigureOut">
               <a:rPr lang="en-US" smtClean="0"/>
               <a:pPr algn="r" eaLnBrk="1" latinLnBrk="0" hangingPunct="1"/>
-              <a:t>3/24/2011</a:t>
+              <a:t>3/25/2011</a:t>
             </a:fld>
-            <a:endParaRPr lang="en-US"/>
+            <a:endParaRPr lang="en-US" dirty="0"/>
           </a:p>
         </p:txBody>
       </p:sp>
@@ -4227,7 +4227,7 @@
               <a:pPr algn="ctr" eaLnBrk="1" latinLnBrk="0" hangingPunct="1"/>
               <a:t>‹#›</a:t>
             </a:fld>
-            <a:endParaRPr kumimoji="0" lang="en-US"/>
+            <a:endParaRPr kumimoji="0" lang="en-US" dirty="0"/>
           </a:p>
         </p:txBody>
       </p:sp>
@@ -4246,7 +4246,7 @@
           <a:bodyPr rtlCol="0"/>
           <a:lstStyle/>
           <a:p>
-            <a:endParaRPr kumimoji="0" lang="en-US"/>
+            <a:endParaRPr kumimoji="0" lang="en-US" dirty="0"/>
           </a:p>
         </p:txBody>
       </p:sp>
@@ -4449,7 +4449,7 @@
             <a:fld id="{E6F9B8CD-342D-4579-98EC-A8FD6B7370E1}" type="datetimeFigureOut">
               <a:rPr lang="en-US" smtClean="0"/>
               <a:pPr algn="r" eaLnBrk="1" latinLnBrk="0" hangingPunct="1"/>
-              <a:t>3/24/2011</a:t>
+              <a:t>3/25/2011</a:t>
             </a:fld>
             <a:endParaRPr lang="en-US" dirty="0">
               <a:solidFill>
@@ -4533,7 +4533,7 @@
           <a:bodyPr vert="horz" wrap="square" lIns="91440" tIns="45720" rIns="91440" bIns="45720" anchor="t" compatLnSpc="1"/>
           <a:lstStyle/>
           <a:p>
-            <a:endParaRPr kumimoji="0" lang="en-US"/>
+            <a:endParaRPr kumimoji="0" lang="en-US" dirty="0"/>
           </a:p>
         </p:txBody>
       </p:sp>
@@ -4569,7 +4569,7 @@
           <a:bodyPr vert="horz" wrap="square" lIns="91440" tIns="45720" rIns="91440" bIns="45720" anchor="t" compatLnSpc="1"/>
           <a:lstStyle/>
           <a:p>
-            <a:endParaRPr kumimoji="0" lang="en-US"/>
+            <a:endParaRPr kumimoji="0" lang="en-US" dirty="0"/>
           </a:p>
         </p:txBody>
       </p:sp>
@@ -4618,7 +4618,7 @@
           <a:lstStyle/>
           <a:p>
             <a:pPr algn="ctr" eaLnBrk="1" latinLnBrk="0" hangingPunct="1"/>
-            <a:endParaRPr kumimoji="0" lang="en-US"/>
+            <a:endParaRPr kumimoji="0" lang="en-US" dirty="0"/>
           </a:p>
         </p:txBody>
       </p:sp>
@@ -4654,7 +4654,7 @@
           <a:bodyPr vert="horz" wrap="square" lIns="91440" tIns="45720" rIns="91440" bIns="45720" anchor="t" compatLnSpc="1"/>
           <a:lstStyle/>
           <a:p>
-            <a:endParaRPr kumimoji="0" lang="en-US"/>
+            <a:endParaRPr kumimoji="0" lang="en-US" dirty="0"/>
           </a:p>
         </p:txBody>
       </p:sp>
@@ -5215,15 +5215,7 @@
           <a:p>
             <a:r>
               <a:rPr lang="en-GB" sz="2400" dirty="0" smtClean="0"/>
-              <a:t>The </a:t>
-            </a:r>
-            <a:r>
-              <a:rPr lang="en-GB" sz="2400" dirty="0" smtClean="0"/>
-              <a:t>key internal function is</a:t>
-            </a:r>
-            <a:r>
-              <a:rPr lang="en-GB" sz="2400" dirty="0" smtClean="0"/>
-              <a:t>:</a:t>
+              <a:t>The key internal function is:</a:t>
             </a:r>
           </a:p>
           <a:p>
@@ -5420,7 +5412,6 @@
               <a:rPr lang="sv-SE" dirty="0"/>
               <a:t>ALGORITHM</a:t>
             </a:r>
-            <a:endParaRPr lang="sv-SE" dirty="0"/>
           </a:p>
         </p:txBody>
       </p:sp>
@@ -5751,7 +5742,11 @@
           <a:p>
             <a:r>
               <a:rPr lang="sv-SE" dirty="0" smtClean="0"/>
-              <a:t>ALGORIHM TESTING</a:t>
+              <a:t>ALGORITHM </a:t>
+            </a:r>
+            <a:r>
+              <a:rPr lang="sv-SE" dirty="0" smtClean="0"/>
+              <a:t>TESTING</a:t>
             </a:r>
             <a:endParaRPr lang="sv-SE" dirty="0"/>
           </a:p>
@@ -6367,7 +6362,7 @@
         <p:spPr>
           <a:xfrm>
             <a:off x="5724128" y="6165304"/>
-            <a:ext cx="1249060" cy="369332"/>
+            <a:ext cx="1208985" cy="338554"/>
           </a:xfrm>
           <a:prstGeom prst="rect">
             <a:avLst/>
@@ -6390,10 +6385,10 @@
           <a:lstStyle/>
           <a:p>
             <a:r>
-              <a:rPr lang="en-US" b="1" dirty="0" smtClean="0"/>
+              <a:rPr lang="en-US" sz="1600" b="1" dirty="0" smtClean="0"/>
               <a:t>4 Buttons</a:t>
             </a:r>
-            <a:endParaRPr lang="en-US" b="1" dirty="0"/>
+            <a:endParaRPr lang="en-US" sz="1600" b="1" dirty="0"/>
           </a:p>
         </p:txBody>
       </p:sp>
@@ -6558,7 +6553,7 @@
         <p:spPr>
           <a:xfrm>
             <a:off x="4277796" y="1556792"/>
-            <a:ext cx="1629485" cy="369332"/>
+            <a:ext cx="1564852" cy="338554"/>
           </a:xfrm>
           <a:prstGeom prst="rect">
             <a:avLst/>
@@ -6581,10 +6576,10 @@
           <a:lstStyle/>
           <a:p>
             <a:r>
-              <a:rPr lang="en-US" b="1" dirty="0" smtClean="0"/>
+              <a:rPr lang="en-US" sz="1600" b="1" dirty="0" smtClean="0"/>
               <a:t>81 Textboxes</a:t>
             </a:r>
-            <a:endParaRPr lang="en-US" b="1" dirty="0"/>
+            <a:endParaRPr lang="en-US" sz="1600" b="1" dirty="0"/>
           </a:p>
         </p:txBody>
       </p:sp>
@@ -6673,7 +6668,7 @@
         <p:spPr>
           <a:xfrm>
             <a:off x="6876256" y="1268760"/>
-            <a:ext cx="1728192" cy="646331"/>
+            <a:ext cx="1728192" cy="584775"/>
           </a:xfrm>
           <a:prstGeom prst="rect">
             <a:avLst/>
@@ -6709,10 +6704,10 @@
           <a:p>
             <a:pPr algn="ctr"/>
             <a:r>
-              <a:rPr lang="en-US" dirty="0" smtClean="0"/>
+              <a:rPr lang="en-US" sz="1400" dirty="0" smtClean="0"/>
               <a:t>(different color)</a:t>
             </a:r>
-            <a:endParaRPr lang="en-US" dirty="0"/>
+            <a:endParaRPr lang="en-US" sz="1400" dirty="0"/>
           </a:p>
         </p:txBody>
       </p:sp>
@@ -7058,8 +7053,8 @@
         </p:nvSpPr>
         <p:spPr>
           <a:xfrm>
-            <a:off x="5243492" y="694437"/>
-            <a:ext cx="1200716" cy="646331"/>
+            <a:off x="5076056" y="694437"/>
+            <a:ext cx="1368152" cy="646331"/>
           </a:xfrm>
           <a:prstGeom prst="rect">
             <a:avLst/>
@@ -7217,7 +7212,7 @@
         <p:spPr>
           <a:xfrm>
             <a:off x="6876256" y="836712"/>
-            <a:ext cx="1377300" cy="369332"/>
+            <a:ext cx="1369286" cy="338554"/>
           </a:xfrm>
           <a:prstGeom prst="rect">
             <a:avLst/>
@@ -7240,10 +7235,10 @@
           <a:lstStyle/>
           <a:p>
             <a:r>
-              <a:rPr lang="en-US" b="1" dirty="0" smtClean="0"/>
+              <a:rPr lang="en-US" sz="1600" b="1" dirty="0" smtClean="0"/>
               <a:t>Empty Cell</a:t>
             </a:r>
-            <a:endParaRPr lang="en-US" b="1" dirty="0"/>
+            <a:endParaRPr lang="en-US" sz="1600" b="1" dirty="0"/>
           </a:p>
         </p:txBody>
       </p:sp>
@@ -7662,8 +7657,8 @@
         </p:nvSpPr>
         <p:spPr>
           <a:xfrm>
-            <a:off x="6804248" y="548680"/>
-            <a:ext cx="1656184" cy="646331"/>
+            <a:off x="6372200" y="548680"/>
+            <a:ext cx="2088232" cy="646331"/>
           </a:xfrm>
           <a:prstGeom prst="rect">
             <a:avLst/>
@@ -7784,9 +7779,9 @@
           <p:nvPr/>
         </p:nvCxnSpPr>
         <p:spPr>
-          <a:xfrm rot="5400000">
-            <a:off x="7092280" y="1844824"/>
-            <a:ext cx="1224136" cy="72008"/>
+          <a:xfrm flipH="1">
+            <a:off x="7668344" y="1195011"/>
+            <a:ext cx="72008" cy="1297885"/>
           </a:xfrm>
           <a:prstGeom prst="straightConnector1">
             <a:avLst/>
@@ -8647,7 +8642,6 @@
               <a:rPr lang="en-US" sz="2400" dirty="0"/>
               <a:t>can have two values: </a:t>
             </a:r>
-            <a:endParaRPr lang="en-US" sz="2400" dirty="0"/>
           </a:p>
           <a:p>
             <a:pPr lvl="3"/>
